--- a/302-변수와 자료형/302-1.입출력.pptx
+++ b/302-변수와 자료형/302-1.입출력.pptx
@@ -111,6 +111,11 @@
       </a:defRPr>
     </a:lvl9pPr>
   </p:defaultTextStyle>
+  <p:extLst>
+    <p:ext uri="{EFAFB233-063F-42B5-8137-9DF3F51BA10A}">
+      <p15:sldGuideLst xmlns:p15="http://schemas.microsoft.com/office/powerpoint/2012/main"/>
+    </p:ext>
+  </p:extLst>
 </p:presentation>
 </file>
 
@@ -261,7 +266,7 @@
           <a:p>
             <a:fld id="{55EAB063-4AAA-46E6-B44E-E8A90A4E9602}" type="datetimeFigureOut">
               <a:rPr lang="ko-KR" altLang="en-US" smtClean="0"/>
-              <a:t>2023-05-20</a:t>
+              <a:t>2023-05-22</a:t>
             </a:fld>
             <a:endParaRPr lang="ko-KR" altLang="en-US"/>
           </a:p>
@@ -459,7 +464,7 @@
           <a:p>
             <a:fld id="{55EAB063-4AAA-46E6-B44E-E8A90A4E9602}" type="datetimeFigureOut">
               <a:rPr lang="ko-KR" altLang="en-US" smtClean="0"/>
-              <a:t>2023-05-20</a:t>
+              <a:t>2023-05-22</a:t>
             </a:fld>
             <a:endParaRPr lang="ko-KR" altLang="en-US"/>
           </a:p>
@@ -667,7 +672,7 @@
           <a:p>
             <a:fld id="{55EAB063-4AAA-46E6-B44E-E8A90A4E9602}" type="datetimeFigureOut">
               <a:rPr lang="ko-KR" altLang="en-US" smtClean="0"/>
-              <a:t>2023-05-20</a:t>
+              <a:t>2023-05-22</a:t>
             </a:fld>
             <a:endParaRPr lang="ko-KR" altLang="en-US"/>
           </a:p>
@@ -865,7 +870,7 @@
           <a:p>
             <a:fld id="{55EAB063-4AAA-46E6-B44E-E8A90A4E9602}" type="datetimeFigureOut">
               <a:rPr lang="ko-KR" altLang="en-US" smtClean="0"/>
-              <a:t>2023-05-20</a:t>
+              <a:t>2023-05-22</a:t>
             </a:fld>
             <a:endParaRPr lang="ko-KR" altLang="en-US"/>
           </a:p>
@@ -1140,7 +1145,7 @@
           <a:p>
             <a:fld id="{55EAB063-4AAA-46E6-B44E-E8A90A4E9602}" type="datetimeFigureOut">
               <a:rPr lang="ko-KR" altLang="en-US" smtClean="0"/>
-              <a:t>2023-05-20</a:t>
+              <a:t>2023-05-22</a:t>
             </a:fld>
             <a:endParaRPr lang="ko-KR" altLang="en-US"/>
           </a:p>
@@ -1405,7 +1410,7 @@
           <a:p>
             <a:fld id="{55EAB063-4AAA-46E6-B44E-E8A90A4E9602}" type="datetimeFigureOut">
               <a:rPr lang="ko-KR" altLang="en-US" smtClean="0"/>
-              <a:t>2023-05-20</a:t>
+              <a:t>2023-05-22</a:t>
             </a:fld>
             <a:endParaRPr lang="ko-KR" altLang="en-US"/>
           </a:p>
@@ -1817,7 +1822,7 @@
           <a:p>
             <a:fld id="{55EAB063-4AAA-46E6-B44E-E8A90A4E9602}" type="datetimeFigureOut">
               <a:rPr lang="ko-KR" altLang="en-US" smtClean="0"/>
-              <a:t>2023-05-20</a:t>
+              <a:t>2023-05-22</a:t>
             </a:fld>
             <a:endParaRPr lang="ko-KR" altLang="en-US"/>
           </a:p>
@@ -1958,7 +1963,7 @@
           <a:p>
             <a:fld id="{55EAB063-4AAA-46E6-B44E-E8A90A4E9602}" type="datetimeFigureOut">
               <a:rPr lang="ko-KR" altLang="en-US" smtClean="0"/>
-              <a:t>2023-05-20</a:t>
+              <a:t>2023-05-22</a:t>
             </a:fld>
             <a:endParaRPr lang="ko-KR" altLang="en-US"/>
           </a:p>
@@ -2071,7 +2076,7 @@
           <a:p>
             <a:fld id="{55EAB063-4AAA-46E6-B44E-E8A90A4E9602}" type="datetimeFigureOut">
               <a:rPr lang="ko-KR" altLang="en-US" smtClean="0"/>
-              <a:t>2023-05-20</a:t>
+              <a:t>2023-05-22</a:t>
             </a:fld>
             <a:endParaRPr lang="ko-KR" altLang="en-US"/>
           </a:p>
@@ -2382,7 +2387,7 @@
           <a:p>
             <a:fld id="{55EAB063-4AAA-46E6-B44E-E8A90A4E9602}" type="datetimeFigureOut">
               <a:rPr lang="ko-KR" altLang="en-US" smtClean="0"/>
-              <a:t>2023-05-20</a:t>
+              <a:t>2023-05-22</a:t>
             </a:fld>
             <a:endParaRPr lang="ko-KR" altLang="en-US"/>
           </a:p>
@@ -2670,7 +2675,7 @@
           <a:p>
             <a:fld id="{55EAB063-4AAA-46E6-B44E-E8A90A4E9602}" type="datetimeFigureOut">
               <a:rPr lang="ko-KR" altLang="en-US" smtClean="0"/>
-              <a:t>2023-05-20</a:t>
+              <a:t>2023-05-22</a:t>
             </a:fld>
             <a:endParaRPr lang="ko-KR" altLang="en-US"/>
           </a:p>
@@ -2911,7 +2916,7 @@
           <a:p>
             <a:fld id="{55EAB063-4AAA-46E6-B44E-E8A90A4E9602}" type="datetimeFigureOut">
               <a:rPr lang="ko-KR" altLang="en-US" smtClean="0"/>
-              <a:t>2023-05-20</a:t>
+              <a:t>2023-05-22</a:t>
             </a:fld>
             <a:endParaRPr lang="ko-KR" altLang="en-US"/>
           </a:p>
@@ -6284,7 +6289,7 @@
               </a:tabLst>
             </a:pPr>
             <a:r>
-              <a:rPr lang="en-US" altLang="ko-Kore-KR" kern="100">
+              <a:rPr lang="en-US" altLang="ko-Kore-KR" kern="100" dirty="0">
                 <a:solidFill>
                   <a:srgbClr val="000000"/>
                 </a:solidFill>
@@ -6295,7 +6300,7 @@
               <a:t>prompt(</a:t>
             </a:r>
             <a:r>
-              <a:rPr lang="en-US" altLang="ko-KR" kern="100">
+              <a:rPr lang="en-US" altLang="ko-KR" kern="100" dirty="0">
                 <a:solidFill>
                   <a:srgbClr val="000000"/>
                 </a:solidFill>
@@ -6306,7 +6311,7 @@
               <a:t>“</a:t>
             </a:r>
             <a:r>
-              <a:rPr lang="ko-KR" altLang="en-US" kern="100">
+              <a:rPr lang="ko-KR" altLang="en-US" kern="100" dirty="0">
                 <a:solidFill>
                   <a:srgbClr val="000000"/>
                 </a:solidFill>
@@ -6317,7 +6322,7 @@
               <a:t>컨퍼런스 참석 여부</a:t>
             </a:r>
             <a:r>
-              <a:rPr lang="en-US" altLang="ko-KR" kern="100">
+              <a:rPr lang="en-US" altLang="ko-KR" kern="100" dirty="0">
                 <a:solidFill>
                   <a:srgbClr val="000000"/>
                 </a:solidFill>
@@ -6328,7 +6333,7 @@
               <a:t>(</a:t>
             </a:r>
             <a:r>
-              <a:rPr lang="ko-KR" altLang="en-US" kern="100">
+              <a:rPr lang="ko-KR" altLang="en-US" kern="100" dirty="0">
                 <a:solidFill>
                   <a:srgbClr val="000000"/>
                 </a:solidFill>
@@ -6339,7 +6344,7 @@
               <a:t>예</a:t>
             </a:r>
             <a:r>
-              <a:rPr lang="en-US" altLang="ko-KR" kern="100">
+              <a:rPr lang="en-US" altLang="ko-KR" kern="100" dirty="0">
                 <a:solidFill>
                   <a:srgbClr val="000000"/>
                 </a:solidFill>
@@ -6350,7 +6355,7 @@
               <a:t>/</a:t>
             </a:r>
             <a:r>
-              <a:rPr lang="ko-KR" altLang="en-US" kern="100">
+              <a:rPr lang="ko-KR" altLang="en-US" kern="100" dirty="0" err="1">
                 <a:solidFill>
                   <a:srgbClr val="000000"/>
                 </a:solidFill>
@@ -6361,7 +6366,7 @@
               <a:t>아니오</a:t>
             </a:r>
             <a:r>
-              <a:rPr lang="en-US" altLang="ko-KR" kern="100">
+              <a:rPr lang="en-US" altLang="ko-KR" kern="100" dirty="0">
                 <a:solidFill>
                   <a:srgbClr val="000000"/>
                 </a:solidFill>
@@ -6369,10 +6374,65 @@
                 <a:ea typeface="D2Coding" panose="020B0609020101020101" pitchFamily="49" charset="-127"/>
                 <a:cs typeface="D2Coding" panose="020B0609020101020101" pitchFamily="49" charset="-127"/>
               </a:rPr>
-              <a:t>)”,</a:t>
-            </a:r>
-            <a:r>
-              <a:rPr lang="ko-KR" altLang="en-US" kern="100">
+              <a:t>)”</a:t>
+            </a:r>
+            <a:r>
+              <a:rPr lang="en-US" altLang="ko-KR" kern="100" dirty="0">
+                <a:solidFill>
+                  <a:srgbClr val="FF0000"/>
+                </a:solidFill>
+                <a:latin typeface="D2Coding" panose="020B0609020101020101" pitchFamily="49" charset="-127"/>
+                <a:ea typeface="D2Coding" panose="020B0609020101020101" pitchFamily="49" charset="-127"/>
+                <a:cs typeface="D2Coding" panose="020B0609020101020101" pitchFamily="49" charset="-127"/>
+              </a:rPr>
+              <a:t>,</a:t>
+            </a:r>
+            <a:r>
+              <a:rPr lang="ko-KR" altLang="en-US" kern="100" dirty="0">
+                <a:solidFill>
+                  <a:srgbClr val="FF0000"/>
+                </a:solidFill>
+                <a:latin typeface="D2Coding" panose="020B0609020101020101" pitchFamily="49" charset="-127"/>
+                <a:ea typeface="D2Coding" panose="020B0609020101020101" pitchFamily="49" charset="-127"/>
+                <a:cs typeface="D2Coding" panose="020B0609020101020101" pitchFamily="49" charset="-127"/>
+              </a:rPr>
+              <a:t> </a:t>
+            </a:r>
+            <a:r>
+              <a:rPr lang="en-US" altLang="ko-KR" kern="100" dirty="0">
+                <a:solidFill>
+                  <a:srgbClr val="FF0000"/>
+                </a:solidFill>
+                <a:latin typeface="D2Coding" panose="020B0609020101020101" pitchFamily="49" charset="-127"/>
+                <a:ea typeface="D2Coding" panose="020B0609020101020101" pitchFamily="49" charset="-127"/>
+                <a:cs typeface="D2Coding" panose="020B0609020101020101" pitchFamily="49" charset="-127"/>
+              </a:rPr>
+              <a:t>“</a:t>
+            </a:r>
+            <a:r>
+              <a:rPr lang="ko-KR" altLang="en-US" kern="100" dirty="0">
+                <a:solidFill>
+                  <a:srgbClr val="FF0000"/>
+                </a:solidFill>
+                <a:latin typeface="D2Coding" panose="020B0609020101020101" pitchFamily="49" charset="-127"/>
+                <a:ea typeface="D2Coding" panose="020B0609020101020101" pitchFamily="49" charset="-127"/>
+                <a:cs typeface="D2Coding" panose="020B0609020101020101" pitchFamily="49" charset="-127"/>
+              </a:rPr>
+              <a:t>예</a:t>
+            </a:r>
+            <a:r>
+              <a:rPr lang="en-US" altLang="ko-KR" kern="100" dirty="0">
+                <a:solidFill>
+                  <a:srgbClr val="FF0000"/>
+                </a:solidFill>
+                <a:latin typeface="D2Coding" panose="020B0609020101020101" pitchFamily="49" charset="-127"/>
+                <a:ea typeface="D2Coding" panose="020B0609020101020101" pitchFamily="49" charset="-127"/>
+                <a:cs typeface="D2Coding" panose="020B0609020101020101" pitchFamily="49" charset="-127"/>
+              </a:rPr>
+              <a:t>”</a:t>
+            </a:r>
+            <a:r>
+              <a:rPr lang="en-US" altLang="ko-KR" kern="100" dirty="0">
                 <a:solidFill>
                   <a:srgbClr val="000000"/>
                 </a:solidFill>
@@ -6380,42 +6440,9 @@
                 <a:ea typeface="D2Coding" panose="020B0609020101020101" pitchFamily="49" charset="-127"/>
                 <a:cs typeface="D2Coding" panose="020B0609020101020101" pitchFamily="49" charset="-127"/>
               </a:rPr>
-              <a:t> </a:t>
-            </a:r>
-            <a:r>
-              <a:rPr lang="en-US" altLang="ko-KR" kern="100">
-                <a:solidFill>
-                  <a:srgbClr val="000000"/>
-                </a:solidFill>
-                <a:latin typeface="D2Coding" panose="020B0609020101020101" pitchFamily="49" charset="-127"/>
-                <a:ea typeface="D2Coding" panose="020B0609020101020101" pitchFamily="49" charset="-127"/>
-                <a:cs typeface="D2Coding" panose="020B0609020101020101" pitchFamily="49" charset="-127"/>
-              </a:rPr>
-              <a:t>“</a:t>
-            </a:r>
-            <a:r>
-              <a:rPr lang="ko-KR" altLang="en-US" kern="100">
-                <a:solidFill>
-                  <a:srgbClr val="000000"/>
-                </a:solidFill>
-                <a:latin typeface="D2Coding" panose="020B0609020101020101" pitchFamily="49" charset="-127"/>
-                <a:ea typeface="D2Coding" panose="020B0609020101020101" pitchFamily="49" charset="-127"/>
-                <a:cs typeface="D2Coding" panose="020B0609020101020101" pitchFamily="49" charset="-127"/>
-              </a:rPr>
-              <a:t>예</a:t>
-            </a:r>
-            <a:r>
-              <a:rPr lang="en-US" altLang="ko-KR" kern="100">
-                <a:solidFill>
-                  <a:srgbClr val="000000"/>
-                </a:solidFill>
-                <a:latin typeface="D2Coding" panose="020B0609020101020101" pitchFamily="49" charset="-127"/>
-                <a:ea typeface="D2Coding" panose="020B0609020101020101" pitchFamily="49" charset="-127"/>
-                <a:cs typeface="D2Coding" panose="020B0609020101020101" pitchFamily="49" charset="-127"/>
-              </a:rPr>
-              <a:t>”)</a:t>
-            </a:r>
-            <a:endParaRPr lang="ko-Kore-KR" altLang="ko-Kore-KR" sz="1800" kern="100">
+              <a:t>)</a:t>
+            </a:r>
+            <a:endParaRPr lang="ko-Kore-KR" altLang="ko-Kore-KR" sz="1800" kern="100" dirty="0">
               <a:effectLst/>
               <a:latin typeface="D2Coding" panose="020B0609020101020101" pitchFamily="49" charset="-127"/>
               <a:ea typeface="D2Coding" panose="020B0609020101020101" pitchFamily="49" charset="-127"/>
